--- a/Midway_Presentation_Group4_XylitolProduction.pptx
+++ b/Midway_Presentation_Group4_XylitolProduction.pptx
@@ -9045,11 +9045,7 @@
           <a:p>
             <a:r>
               <a:rPr lang="en-GB" dirty="0" smtClean="0"/>
-              <a:t>Possibility to produce it biotechnologically in a biorefinery from the hemicellulose sugars of lignocellulosic </a:t>
-            </a:r>
-            <a:r>
-              <a:rPr lang="en-GB" dirty="0" smtClean="0"/>
-              <a:t>biomass, for example wheat </a:t>
+              <a:t>Possibility to produce it biotechnologically in a biorefinery from the hemicellulose sugars of lignocellulosic biomass, for example wheat </a:t>
             </a:r>
             <a:r>
               <a:rPr lang="en-GB" dirty="0" err="1" smtClean="0"/>
@@ -9426,7 +9422,31 @@
               <a:rPr lang="en-GB" b="1" dirty="0" smtClean="0">
                 <a:latin typeface="+mn-lt"/>
               </a:rPr>
-              <a:t>Use (existing) GEM for one of the cell factories to predict metabolic/genetic engineering strategies to enhance yield of xylitol</a:t>
+              <a:t>Use (existing) GEM for </a:t>
+            </a:r>
+            <a:r>
+              <a:rPr lang="en-GB" b="1" i="1" dirty="0" smtClean="0">
+                <a:latin typeface="+mn-lt"/>
+              </a:rPr>
+              <a:t>S. </a:t>
+            </a:r>
+            <a:r>
+              <a:rPr lang="en-GB" b="1" i="1" dirty="0" smtClean="0">
+                <a:latin typeface="+mn-lt"/>
+              </a:rPr>
+              <a:t>cerevisiae </a:t>
+            </a:r>
+            <a:r>
+              <a:rPr lang="en-GB" b="1" dirty="0" smtClean="0">
+                <a:latin typeface="+mn-lt"/>
+              </a:rPr>
+              <a:t>to </a:t>
+            </a:r>
+            <a:r>
+              <a:rPr lang="en-GB" b="1" dirty="0" smtClean="0">
+                <a:latin typeface="+mn-lt"/>
+              </a:rPr>
+              <a:t>predict metabolic/genetic engineering strategies to enhance yield of xylitol</a:t>
             </a:r>
           </a:p>
         </p:txBody>
@@ -10114,7 +10134,19 @@
               <a:rPr lang="en-GB" sz="1100" dirty="0" smtClean="0">
                 <a:latin typeface="+mn-lt"/>
               </a:rPr>
-              <a:t>(2014), Hernandez-Perez et al. </a:t>
+              <a:t>(2014), </a:t>
+            </a:r>
+            <a:r>
+              <a:rPr lang="en-GB" sz="1100" dirty="0" smtClean="0">
+                <a:latin typeface="+mn-lt"/>
+              </a:rPr>
+              <a:t>Hernández-Pérez </a:t>
+            </a:r>
+            <a:r>
+              <a:rPr lang="en-GB" sz="1100" dirty="0" smtClean="0">
+                <a:latin typeface="+mn-lt"/>
+              </a:rPr>
+              <a:t>et al. </a:t>
             </a:r>
             <a:r>
               <a:rPr lang="en-GB" sz="1100" i="1" dirty="0" err="1" smtClean="0">
@@ -12291,7 +12323,7 @@
 </file>
 
 <file path=customXml/item1.xml><?xml version="1.0" encoding="utf-8"?>
-<TemplafySlideTemplateConfiguration><![CDATA[{"documentContentValidatorConfiguration":{"enableDocumentContentValidator":false,"documentContentValidatorVersion":0},"elementsMetadata":[],"slideId":"636957680393408391","enableDocumentContentUpdater":true,"version":"1.2"}]]></TemplafySlideTemplateConfiguration>
+<TemplafySlideFormConfiguration><![CDATA[{"formFields":[],"formDataEntries":[]}]]></TemplafySlideFormConfiguration>
 </file>
 
 <file path=customXml/item2.xml><?xml version="1.0" encoding="utf-8"?>
@@ -12299,11 +12331,11 @@
 </file>
 
 <file path=customXml/item3.xml><?xml version="1.0" encoding="utf-8"?>
-<TemplafySlideFormConfiguration><![CDATA[{"formFields":[],"formDataEntries":[]}]]></TemplafySlideFormConfiguration>
+<TemplafySlideTemplateConfiguration><![CDATA[{"documentContentValidatorConfiguration":{"enableDocumentContentValidator":false,"documentContentValidatorVersion":0},"elementsMetadata":[],"slideId":"636957680393408391","enableDocumentContentUpdater":true,"version":"1.2"}]]></TemplafySlideTemplateConfiguration>
 </file>
 
 <file path=customXml/item4.xml><?xml version="1.0" encoding="utf-8"?>
-<TemplafyTemplateConfiguration><![CDATA[{"elementsMetadata":[{"type":"shape","id":"7124469a-bb08-4c20-a4d2-12b8df7f5385","elementConfiguration":{"binding":"UserProfile.Offices.Workarea_{{DocumentLanguage}}","disableUpdates":false,"type":"text"}},{"type":"shape","id":"72666b99-e3ed-4bae-8f54-98f70864d524","elementConfiguration":{"format":"{{DateFormats.GeneralDate}}","binding":"Form.Date","disableUpdates":false,"type":"date"}},{"type":"shape","id":"2832736c-11a1-4b47-b055-9f7d43d39bc9","elementConfiguration":{"binding":"Form.PresentationTitle","disableUpdates":false,"type":"text"}}],"transformationConfigurations":[{"language":"{{DocumentLanguage}}","disableUpdates":false,"type":"proofingLanguage"}],"templateName":"DTU Template 16_9 - Corporate red","templateDescription":"","enableDocumentContentUpdater":true,"version":"1.2"}]]></TemplafyTemplateConfiguration>
+<TemplafySlideFormConfiguration><![CDATA[{"formFields":[],"formDataEntries":[]}]]></TemplafySlideFormConfiguration>
 </file>
 
 <file path=customXml/item5.xml><?xml version="1.0" encoding="utf-8"?>
@@ -12311,11 +12343,11 @@
 </file>
 
 <file path=customXml/item6.xml><?xml version="1.0" encoding="utf-8"?>
-<TemplafySlideFormConfiguration><![CDATA[{"formFields":[],"formDataEntries":[]}]]></TemplafySlideFormConfiguration>
+<TemplafyTemplateConfiguration><![CDATA[{"elementsMetadata":[{"type":"shape","id":"7124469a-bb08-4c20-a4d2-12b8df7f5385","elementConfiguration":{"binding":"UserProfile.Offices.Workarea_{{DocumentLanguage}}","disableUpdates":false,"type":"text"}},{"type":"shape","id":"72666b99-e3ed-4bae-8f54-98f70864d524","elementConfiguration":{"format":"{{DateFormats.GeneralDate}}","binding":"Form.Date","disableUpdates":false,"type":"date"}},{"type":"shape","id":"2832736c-11a1-4b47-b055-9f7d43d39bc9","elementConfiguration":{"binding":"Form.PresentationTitle","disableUpdates":false,"type":"text"}}],"transformationConfigurations":[{"language":"{{DocumentLanguage}}","disableUpdates":false,"type":"proofingLanguage"}],"templateName":"DTU Template 16_9 - Corporate red","templateDescription":"","enableDocumentContentUpdater":true,"version":"1.2"}]]></TemplafyTemplateConfiguration>
 </file>
 
 <file path=customXml/itemProps1.xml><?xml version="1.0" encoding="utf-8"?>
-<ds:datastoreItem xmlns:ds="http://schemas.openxmlformats.org/officeDocument/2006/customXml" ds:itemID="{CA9FC985-930B-40D4-827F-9FAC5D35EA8C}">
+<ds:datastoreItem xmlns:ds="http://schemas.openxmlformats.org/officeDocument/2006/customXml" ds:itemID="{1680B9DC-2D51-4402-BB2C-B8DE0C5AC522}">
   <ds:schemaRefs/>
 </ds:datastoreItem>
 </file>
@@ -12327,13 +12359,13 @@
 </file>
 
 <file path=customXml/itemProps3.xml><?xml version="1.0" encoding="utf-8"?>
-<ds:datastoreItem xmlns:ds="http://schemas.openxmlformats.org/officeDocument/2006/customXml" ds:itemID="{1680B9DC-2D51-4402-BB2C-B8DE0C5AC522}">
+<ds:datastoreItem xmlns:ds="http://schemas.openxmlformats.org/officeDocument/2006/customXml" ds:itemID="{CA9FC985-930B-40D4-827F-9FAC5D35EA8C}">
   <ds:schemaRefs/>
 </ds:datastoreItem>
 </file>
 
 <file path=customXml/itemProps4.xml><?xml version="1.0" encoding="utf-8"?>
-<ds:datastoreItem xmlns:ds="http://schemas.openxmlformats.org/officeDocument/2006/customXml" ds:itemID="{1334258C-C3E7-4029-A615-C886A240FB15}">
+<ds:datastoreItem xmlns:ds="http://schemas.openxmlformats.org/officeDocument/2006/customXml" ds:itemID="{5DEE4BEE-00BA-4E32-BD26-AF535B50AC95}">
   <ds:schemaRefs/>
 </ds:datastoreItem>
 </file>
@@ -12345,7 +12377,7 @@
 </file>
 
 <file path=customXml/itemProps6.xml><?xml version="1.0" encoding="utf-8"?>
-<ds:datastoreItem xmlns:ds="http://schemas.openxmlformats.org/officeDocument/2006/customXml" ds:itemID="{5DEE4BEE-00BA-4E32-BD26-AF535B50AC95}">
+<ds:datastoreItem xmlns:ds="http://schemas.openxmlformats.org/officeDocument/2006/customXml" ds:itemID="{1334258C-C3E7-4029-A615-C886A240FB15}">
   <ds:schemaRefs/>
 </ds:datastoreItem>
 </file>